--- a/Figures/2level_propagation.pptx
+++ b/Figures/2level_propagation.pptx
@@ -243,7 +243,7 @@
           <a:p>
             <a:fld id="{8268C92C-2CC0-0848-9CBC-F9529749DE23}" type="datetimeFigureOut">
               <a:rPr lang="en-US" smtClean="0"/>
-              <a:t>9/15/16</a:t>
+              <a:t>9/27/16</a:t>
             </a:fld>
             <a:endParaRPr lang="en-US"/>
           </a:p>
@@ -413,7 +413,7 @@
           <a:p>
             <a:fld id="{8268C92C-2CC0-0848-9CBC-F9529749DE23}" type="datetimeFigureOut">
               <a:rPr lang="en-US" smtClean="0"/>
-              <a:t>9/15/16</a:t>
+              <a:t>9/27/16</a:t>
             </a:fld>
             <a:endParaRPr lang="en-US"/>
           </a:p>
@@ -593,7 +593,7 @@
           <a:p>
             <a:fld id="{8268C92C-2CC0-0848-9CBC-F9529749DE23}" type="datetimeFigureOut">
               <a:rPr lang="en-US" smtClean="0"/>
-              <a:t>9/15/16</a:t>
+              <a:t>9/27/16</a:t>
             </a:fld>
             <a:endParaRPr lang="en-US"/>
           </a:p>
@@ -763,7 +763,7 @@
           <a:p>
             <a:fld id="{8268C92C-2CC0-0848-9CBC-F9529749DE23}" type="datetimeFigureOut">
               <a:rPr lang="en-US" smtClean="0"/>
-              <a:t>9/15/16</a:t>
+              <a:t>9/27/16</a:t>
             </a:fld>
             <a:endParaRPr lang="en-US"/>
           </a:p>
@@ -1009,7 +1009,7 @@
           <a:p>
             <a:fld id="{8268C92C-2CC0-0848-9CBC-F9529749DE23}" type="datetimeFigureOut">
               <a:rPr lang="en-US" smtClean="0"/>
-              <a:t>9/15/16</a:t>
+              <a:t>9/27/16</a:t>
             </a:fld>
             <a:endParaRPr lang="en-US"/>
           </a:p>
@@ -1241,7 +1241,7 @@
           <a:p>
             <a:fld id="{8268C92C-2CC0-0848-9CBC-F9529749DE23}" type="datetimeFigureOut">
               <a:rPr lang="en-US" smtClean="0"/>
-              <a:t>9/15/16</a:t>
+              <a:t>9/27/16</a:t>
             </a:fld>
             <a:endParaRPr lang="en-US"/>
           </a:p>
@@ -1608,7 +1608,7 @@
           <a:p>
             <a:fld id="{8268C92C-2CC0-0848-9CBC-F9529749DE23}" type="datetimeFigureOut">
               <a:rPr lang="en-US" smtClean="0"/>
-              <a:t>9/15/16</a:t>
+              <a:t>9/27/16</a:t>
             </a:fld>
             <a:endParaRPr lang="en-US"/>
           </a:p>
@@ -1726,7 +1726,7 @@
           <a:p>
             <a:fld id="{8268C92C-2CC0-0848-9CBC-F9529749DE23}" type="datetimeFigureOut">
               <a:rPr lang="en-US" smtClean="0"/>
-              <a:t>9/15/16</a:t>
+              <a:t>9/27/16</a:t>
             </a:fld>
             <a:endParaRPr lang="en-US"/>
           </a:p>
@@ -1821,7 +1821,7 @@
           <a:p>
             <a:fld id="{8268C92C-2CC0-0848-9CBC-F9529749DE23}" type="datetimeFigureOut">
               <a:rPr lang="en-US" smtClean="0"/>
-              <a:t>9/15/16</a:t>
+              <a:t>9/27/16</a:t>
             </a:fld>
             <a:endParaRPr lang="en-US"/>
           </a:p>
@@ -2098,7 +2098,7 @@
           <a:p>
             <a:fld id="{8268C92C-2CC0-0848-9CBC-F9529749DE23}" type="datetimeFigureOut">
               <a:rPr lang="en-US" smtClean="0"/>
-              <a:t>9/15/16</a:t>
+              <a:t>9/27/16</a:t>
             </a:fld>
             <a:endParaRPr lang="en-US"/>
           </a:p>
@@ -2351,7 +2351,7 @@
           <a:p>
             <a:fld id="{8268C92C-2CC0-0848-9CBC-F9529749DE23}" type="datetimeFigureOut">
               <a:rPr lang="en-US" smtClean="0"/>
-              <a:t>9/15/16</a:t>
+              <a:t>9/27/16</a:t>
             </a:fld>
             <a:endParaRPr lang="en-US"/>
           </a:p>
@@ -2564,7 +2564,7 @@
           <a:p>
             <a:fld id="{8268C92C-2CC0-0848-9CBC-F9529749DE23}" type="datetimeFigureOut">
               <a:rPr lang="en-US" smtClean="0"/>
-              <a:t>9/15/16</a:t>
+              <a:t>9/27/16</a:t>
             </a:fld>
             <a:endParaRPr lang="en-US"/>
           </a:p>
@@ -2977,7 +2977,7 @@
         </p:nvSpPr>
         <p:spPr>
           <a:xfrm>
-            <a:off x="6385538" y="2387500"/>
+            <a:off x="6563667" y="2387500"/>
             <a:ext cx="1895707" cy="669073"/>
           </a:xfrm>
           <a:prstGeom prst="roundRect">
@@ -3034,7 +3034,7 @@
         </p:nvSpPr>
         <p:spPr>
           <a:xfrm>
-            <a:off x="6625661" y="2443330"/>
+            <a:off x="6803790" y="2443330"/>
             <a:ext cx="1408176" cy="523220"/>
           </a:xfrm>
           <a:prstGeom prst="rect">
@@ -3076,8 +3076,8 @@
         </p:nvSpPr>
         <p:spPr>
           <a:xfrm>
-            <a:off x="3195686" y="1602556"/>
-            <a:ext cx="6634113" cy="2337847"/>
+            <a:off x="3195686" y="1469377"/>
+            <a:ext cx="6634113" cy="2342602"/>
           </a:xfrm>
           <a:prstGeom prst="roundRect">
             <a:avLst/>
@@ -3154,7 +3154,7 @@
         </p:blipFill>
         <p:spPr>
           <a:xfrm>
-            <a:off x="4943586" y="2546757"/>
+            <a:off x="4943586" y="2463632"/>
             <a:ext cx="266700" cy="190500"/>
           </a:xfrm>
           <a:prstGeom prst="rect">
@@ -3170,7 +3170,7 @@
         </p:nvSpPr>
         <p:spPr>
           <a:xfrm>
-            <a:off x="4860528" y="2427309"/>
+            <a:off x="4860528" y="2344184"/>
             <a:ext cx="413766" cy="399776"/>
           </a:xfrm>
           <a:prstGeom prst="ellipse">
@@ -3262,7 +3262,7 @@
         </p:nvSpPr>
         <p:spPr>
           <a:xfrm>
-            <a:off x="4861671" y="2893681"/>
+            <a:off x="4861671" y="2810556"/>
             <a:ext cx="413766" cy="399776"/>
           </a:xfrm>
           <a:prstGeom prst="ellipse">
@@ -3308,7 +3308,7 @@
         </p:nvSpPr>
         <p:spPr>
           <a:xfrm>
-            <a:off x="4860528" y="3359523"/>
+            <a:off x="4860528" y="3276398"/>
             <a:ext cx="413766" cy="399776"/>
           </a:xfrm>
           <a:prstGeom prst="ellipse">
@@ -3386,7 +3386,7 @@
         </p:blipFill>
         <p:spPr>
           <a:xfrm>
-            <a:off x="4981686" y="3020411"/>
+            <a:off x="4981686" y="2937286"/>
             <a:ext cx="190500" cy="139700"/>
           </a:xfrm>
           <a:prstGeom prst="rect">
@@ -3410,7 +3410,7 @@
         </p:blipFill>
         <p:spPr>
           <a:xfrm>
-            <a:off x="4984861" y="3467778"/>
+            <a:off x="4984861" y="3384653"/>
             <a:ext cx="165100" cy="203200"/>
           </a:xfrm>
           <a:prstGeom prst="rect">
@@ -3434,7 +3434,7 @@
         </p:blipFill>
         <p:spPr>
           <a:xfrm>
-            <a:off x="5829207" y="2660669"/>
+            <a:off x="5900457" y="2660669"/>
             <a:ext cx="190500" cy="139700"/>
           </a:xfrm>
           <a:prstGeom prst="rect">
@@ -3474,7 +3474,7 @@
         </p:nvSpPr>
         <p:spPr>
           <a:xfrm>
-            <a:off x="5708430" y="2522503"/>
+            <a:off x="5779680" y="2522503"/>
             <a:ext cx="413766" cy="399776"/>
           </a:xfrm>
           <a:prstGeom prst="ellipse">
@@ -3698,30 +3698,6 @@
           </a:prstGeom>
         </p:spPr>
       </p:pic>
-      <p:pic>
-        <p:nvPicPr>
-          <p:cNvPr id="28" name="Picture 27"/>
-          <p:cNvPicPr>
-            <a:picLocks noChangeAspect="1"/>
-          </p:cNvPicPr>
-          <p:nvPr/>
-        </p:nvPicPr>
-        <p:blipFill>
-          <a:blip r:embed="rId11"/>
-          <a:stretch>
-            <a:fillRect/>
-          </a:stretch>
-        </p:blipFill>
-        <p:spPr>
-          <a:xfrm>
-            <a:off x="10368650" y="2578507"/>
-            <a:ext cx="800100" cy="317500"/>
-          </a:xfrm>
-          <a:prstGeom prst="rect">
-            <a:avLst/>
-          </a:prstGeom>
-        </p:spPr>
-      </p:pic>
       <p:cxnSp>
         <p:nvCxnSpPr>
           <p:cNvPr id="30" name="Straight Arrow Connector 29"/>
@@ -3815,7 +3791,7 @@
         <p:spPr>
           <a:xfrm>
             <a:off x="4528947" y="2223272"/>
-            <a:ext cx="331581" cy="403925"/>
+            <a:ext cx="331581" cy="320800"/>
           </a:xfrm>
           <a:prstGeom prst="bentConnector3">
             <a:avLst>
@@ -3856,7 +3832,7 @@
         <p:spPr>
           <a:xfrm>
             <a:off x="4528947" y="2223272"/>
-            <a:ext cx="332724" cy="870297"/>
+            <a:ext cx="332724" cy="787172"/>
           </a:xfrm>
           <a:prstGeom prst="bentConnector3">
             <a:avLst>
@@ -3897,11 +3873,11 @@
         <p:spPr>
           <a:xfrm flipV="1">
             <a:off x="5274294" y="2722391"/>
-            <a:ext cx="434136" cy="837020"/>
+            <a:ext cx="505386" cy="753895"/>
           </a:xfrm>
           <a:prstGeom prst="bentConnector3">
             <a:avLst>
-              <a:gd name="adj1" fmla="val 50000"/>
+              <a:gd name="adj1" fmla="val 45300"/>
             </a:avLst>
           </a:prstGeom>
           <a:ln>
@@ -3936,12 +3912,12 @@
         </p:nvCxnSpPr>
         <p:spPr>
           <a:xfrm>
-            <a:off x="4528947" y="2223272"/>
+            <a:off x="4600197" y="2223272"/>
             <a:ext cx="1179483" cy="499119"/>
           </a:xfrm>
           <a:prstGeom prst="bentConnector3">
             <a:avLst>
-              <a:gd name="adj1" fmla="val 81726"/>
+              <a:gd name="adj1" fmla="val 76692"/>
             </a:avLst>
           </a:prstGeom>
           <a:ln>
@@ -3969,17 +3945,19 @@
       <p:cxnSp>
         <p:nvCxnSpPr>
           <p:cNvPr id="52" name="Straight Arrow Connector 29"/>
-          <p:cNvCxnSpPr/>
+          <p:cNvCxnSpPr>
+            <a:endCxn id="20" idx="2"/>
+          </p:cNvCxnSpPr>
           <p:nvPr/>
         </p:nvCxnSpPr>
         <p:spPr>
           <a:xfrm>
             <a:off x="5277469" y="2627197"/>
-            <a:ext cx="434136" cy="90028"/>
+            <a:ext cx="502211" cy="95194"/>
           </a:xfrm>
           <a:prstGeom prst="bentConnector3">
             <a:avLst>
-              <a:gd name="adj1" fmla="val 49269"/>
+              <a:gd name="adj1" fmla="val 45271"/>
             </a:avLst>
           </a:prstGeom>
           <a:ln>
@@ -4016,11 +3994,11 @@
         <p:spPr>
           <a:xfrm flipV="1">
             <a:off x="5275437" y="2722391"/>
-            <a:ext cx="432993" cy="371178"/>
+            <a:ext cx="504243" cy="288053"/>
           </a:xfrm>
           <a:prstGeom prst="bentConnector3">
             <a:avLst>
-              <a:gd name="adj1" fmla="val 50000"/>
+              <a:gd name="adj1" fmla="val 45290"/>
             </a:avLst>
           </a:prstGeom>
           <a:ln>
@@ -4056,8 +4034,8 @@
         </p:nvCxnSpPr>
         <p:spPr>
           <a:xfrm flipV="1">
-            <a:off x="6122196" y="2722037"/>
-            <a:ext cx="263342" cy="354"/>
+            <a:off x="6193446" y="2722037"/>
+            <a:ext cx="370221" cy="354"/>
           </a:xfrm>
           <a:prstGeom prst="bentConnector3">
             <a:avLst>
@@ -4097,8 +4075,8 @@
         </p:nvCxnSpPr>
         <p:spPr>
           <a:xfrm>
-            <a:off x="8281245" y="2722037"/>
-            <a:ext cx="617166" cy="1504"/>
+            <a:off x="8459374" y="2722037"/>
+            <a:ext cx="439037" cy="1504"/>
           </a:xfrm>
           <a:prstGeom prst="bentConnector3">
             <a:avLst>
@@ -4136,7 +4114,7 @@
         <p:spPr>
           <a:xfrm>
             <a:off x="10259617" y="2327196"/>
-            <a:ext cx="999313" cy="790533"/>
+            <a:ext cx="903443" cy="790533"/>
           </a:xfrm>
           <a:prstGeom prst="ellipse">
             <a:avLst/>
@@ -4222,7 +4200,7 @@
         </p:nvSpPr>
         <p:spPr>
           <a:xfrm>
-            <a:off x="5044103" y="1635574"/>
+            <a:off x="4769036" y="1457806"/>
             <a:ext cx="3147789" cy="523220"/>
           </a:xfrm>
           <a:prstGeom prst="rect">
@@ -4258,185 +4236,13 @@
       </p:sp>
       <p:sp>
         <p:nvSpPr>
-          <p:cNvPr id="102" name="Left Brace 101"/>
-          <p:cNvSpPr/>
-          <p:nvPr/>
-        </p:nvSpPr>
-        <p:spPr>
-          <a:xfrm rot="16200000">
-            <a:off x="2610064" y="3793782"/>
-            <a:ext cx="209110" cy="992546"/>
-          </a:xfrm>
-          <a:prstGeom prst="leftBrace">
-            <a:avLst/>
-          </a:prstGeom>
-          <a:ln w="12700">
-            <a:solidFill>
-              <a:schemeClr val="tx1"/>
-            </a:solidFill>
-          </a:ln>
-        </p:spPr>
-        <p:style>
-          <a:lnRef idx="1">
-            <a:schemeClr val="accent1"/>
-          </a:lnRef>
-          <a:fillRef idx="0">
-            <a:schemeClr val="accent1"/>
-          </a:fillRef>
-          <a:effectRef idx="0">
-            <a:schemeClr val="accent1"/>
-          </a:effectRef>
-          <a:fontRef idx="minor">
-            <a:schemeClr val="tx1"/>
-          </a:fontRef>
-        </p:style>
-        <p:txBody>
-          <a:bodyPr rtlCol="0" anchor="ctr"/>
-          <a:lstStyle/>
-          <a:p>
-            <a:pPr algn="ctr"/>
-            <a:endParaRPr lang="en-US"/>
-          </a:p>
-        </p:txBody>
-      </p:sp>
-      <p:sp>
-        <p:nvSpPr>
-          <p:cNvPr id="103" name="Left Brace 102"/>
-          <p:cNvSpPr/>
-          <p:nvPr/>
-        </p:nvSpPr>
-        <p:spPr>
-          <a:xfrm rot="16200000">
-            <a:off x="4872483" y="3133402"/>
-            <a:ext cx="202991" cy="2296440"/>
-          </a:xfrm>
-          <a:prstGeom prst="leftBrace">
-            <a:avLst/>
-          </a:prstGeom>
-          <a:ln w="12700">
-            <a:solidFill>
-              <a:schemeClr val="tx1"/>
-            </a:solidFill>
-          </a:ln>
-        </p:spPr>
-        <p:style>
-          <a:lnRef idx="1">
-            <a:schemeClr val="accent1"/>
-          </a:lnRef>
-          <a:fillRef idx="0">
-            <a:schemeClr val="accent1"/>
-          </a:fillRef>
-          <a:effectRef idx="0">
-            <a:schemeClr val="accent1"/>
-          </a:effectRef>
-          <a:fontRef idx="minor">
-            <a:schemeClr val="tx1"/>
-          </a:fontRef>
-        </p:style>
-        <p:txBody>
-          <a:bodyPr rtlCol="0" anchor="ctr"/>
-          <a:lstStyle/>
-          <a:p>
-            <a:pPr algn="ctr"/>
-            <a:endParaRPr lang="en-US"/>
-          </a:p>
-        </p:txBody>
-      </p:sp>
-      <p:sp>
-        <p:nvSpPr>
-          <p:cNvPr id="105" name="Left Brace 104"/>
-          <p:cNvSpPr/>
-          <p:nvPr/>
-        </p:nvSpPr>
-        <p:spPr>
-          <a:xfrm rot="16200000" flipV="1">
-            <a:off x="9003681" y="3716961"/>
-            <a:ext cx="218557" cy="1136742"/>
-          </a:xfrm>
-          <a:prstGeom prst="leftBrace">
-            <a:avLst/>
-          </a:prstGeom>
-          <a:ln w="12700">
-            <a:solidFill>
-              <a:schemeClr val="tx1"/>
-            </a:solidFill>
-          </a:ln>
-        </p:spPr>
-        <p:style>
-          <a:lnRef idx="1">
-            <a:schemeClr val="accent1"/>
-          </a:lnRef>
-          <a:fillRef idx="0">
-            <a:schemeClr val="accent1"/>
-          </a:fillRef>
-          <a:effectRef idx="0">
-            <a:schemeClr val="accent1"/>
-          </a:effectRef>
-          <a:fontRef idx="minor">
-            <a:schemeClr val="tx1"/>
-          </a:fontRef>
-        </p:style>
-        <p:txBody>
-          <a:bodyPr rtlCol="0" anchor="ctr"/>
-          <a:lstStyle/>
-          <a:p>
-            <a:pPr algn="ctr"/>
-            <a:endParaRPr lang="en-US"/>
-          </a:p>
-        </p:txBody>
-      </p:sp>
-      <p:sp>
-        <p:nvSpPr>
-          <p:cNvPr id="106" name="Left Brace 105"/>
-          <p:cNvSpPr/>
-          <p:nvPr/>
-        </p:nvSpPr>
-        <p:spPr>
-          <a:xfrm rot="16200000" flipV="1">
-            <a:off x="10649994" y="3716961"/>
-            <a:ext cx="218557" cy="1136742"/>
-          </a:xfrm>
-          <a:prstGeom prst="leftBrace">
-            <a:avLst/>
-          </a:prstGeom>
-          <a:ln w="12700">
-            <a:solidFill>
-              <a:schemeClr val="tx1"/>
-            </a:solidFill>
-          </a:ln>
-        </p:spPr>
-        <p:style>
-          <a:lnRef idx="1">
-            <a:schemeClr val="accent1"/>
-          </a:lnRef>
-          <a:fillRef idx="0">
-            <a:schemeClr val="accent1"/>
-          </a:fillRef>
-          <a:effectRef idx="0">
-            <a:schemeClr val="accent1"/>
-          </a:effectRef>
-          <a:fontRef idx="minor">
-            <a:schemeClr val="tx1"/>
-          </a:fontRef>
-        </p:style>
-        <p:txBody>
-          <a:bodyPr rtlCol="0" anchor="ctr"/>
-          <a:lstStyle/>
-          <a:p>
-            <a:pPr algn="ctr"/>
-            <a:endParaRPr lang="en-US"/>
-          </a:p>
-        </p:txBody>
-      </p:sp>
-      <p:sp>
-        <p:nvSpPr>
           <p:cNvPr id="107" name="TextBox 106"/>
           <p:cNvSpPr txBox="1"/>
           <p:nvPr/>
         </p:nvSpPr>
         <p:spPr>
           <a:xfrm>
-            <a:off x="1833937" y="4451984"/>
+            <a:off x="528304" y="1899891"/>
             <a:ext cx="1748991" cy="738664"/>
           </a:xfrm>
           <a:prstGeom prst="rect">
@@ -4489,7 +4295,7 @@
         </p:nvSpPr>
         <p:spPr>
           <a:xfrm>
-            <a:off x="4069090" y="4451984"/>
+            <a:off x="5197299" y="1840505"/>
             <a:ext cx="1748991" cy="523220"/>
           </a:xfrm>
           <a:prstGeom prst="rect">
@@ -4526,6 +4332,122 @@
       <p:pic>
         <p:nvPicPr>
           <p:cNvPr id="110" name="Picture 109"/>
+          <p:cNvPicPr>
+            <a:picLocks noChangeAspect="1"/>
+          </p:cNvPicPr>
+          <p:nvPr/>
+        </p:nvPicPr>
+        <p:blipFill>
+          <a:blip r:embed="rId11"/>
+          <a:stretch>
+            <a:fillRect/>
+          </a:stretch>
+        </p:blipFill>
+        <p:spPr>
+          <a:xfrm>
+            <a:off x="5782748" y="2129073"/>
+            <a:ext cx="760274" cy="234652"/>
+          </a:xfrm>
+          <a:prstGeom prst="rect">
+            <a:avLst/>
+          </a:prstGeom>
+        </p:spPr>
+      </p:pic>
+      <p:sp>
+        <p:nvSpPr>
+          <p:cNvPr id="112" name="TextBox 111"/>
+          <p:cNvSpPr txBox="1"/>
+          <p:nvPr/>
+        </p:nvSpPr>
+        <p:spPr>
+          <a:xfrm>
+            <a:off x="8248406" y="1901028"/>
+            <a:ext cx="1748991" cy="523220"/>
+          </a:xfrm>
+          <a:prstGeom prst="rect">
+            <a:avLst/>
+          </a:prstGeom>
+          <a:noFill/>
+        </p:spPr>
+        <p:txBody>
+          <a:bodyPr wrap="square" rtlCol="0">
+            <a:spAutoFit/>
+          </a:bodyPr>
+          <a:lstStyle/>
+          <a:p>
+            <a:pPr algn="ctr"/>
+            <a:r>
+              <a:rPr lang="en-US" sz="1400" dirty="0" smtClean="0">
+                <a:latin typeface="Arial" charset="0"/>
+                <a:ea typeface="Arial" charset="0"/>
+                <a:cs typeface="Arial" charset="0"/>
+              </a:rPr>
+              <a:t>Joint distribution</a:t>
+            </a:r>
+          </a:p>
+          <a:p>
+            <a:pPr algn="ctr"/>
+            <a:endParaRPr lang="en-US" sz="1400" dirty="0">
+              <a:latin typeface="Arial" charset="0"/>
+              <a:ea typeface="Arial" charset="0"/>
+              <a:cs typeface="Arial" charset="0"/>
+            </a:endParaRPr>
+          </a:p>
+        </p:txBody>
+      </p:sp>
+      <p:sp>
+        <p:nvSpPr>
+          <p:cNvPr id="113" name="TextBox 112"/>
+          <p:cNvSpPr txBox="1"/>
+          <p:nvPr/>
+        </p:nvSpPr>
+        <p:spPr>
+          <a:xfrm>
+            <a:off x="10059183" y="1812006"/>
+            <a:ext cx="1380222" cy="523220"/>
+          </a:xfrm>
+          <a:prstGeom prst="rect">
+            <a:avLst/>
+          </a:prstGeom>
+          <a:noFill/>
+        </p:spPr>
+        <p:txBody>
+          <a:bodyPr wrap="square" rtlCol="0">
+            <a:spAutoFit/>
+          </a:bodyPr>
+          <a:lstStyle/>
+          <a:p>
+            <a:pPr algn="ctr"/>
+            <a:r>
+              <a:rPr lang="en-US" sz="1400" dirty="0" smtClean="0">
+                <a:latin typeface="Arial" charset="0"/>
+                <a:ea typeface="Arial" charset="0"/>
+                <a:cs typeface="Arial" charset="0"/>
+              </a:rPr>
+              <a:t>Uncertainty in </a:t>
+            </a:r>
+          </a:p>
+          <a:p>
+            <a:pPr algn="just"/>
+            <a:r>
+              <a:rPr lang="en-US" sz="1400" dirty="0" smtClean="0">
+                <a:latin typeface="Arial" charset="0"/>
+                <a:ea typeface="Arial" charset="0"/>
+                <a:cs typeface="Arial" charset="0"/>
+              </a:rPr>
+              <a:t>AEP and </a:t>
+            </a:r>
+            <a:endParaRPr lang="en-US" sz="1400" dirty="0">
+              <a:latin typeface="Arial" charset="0"/>
+              <a:ea typeface="Arial" charset="0"/>
+              <a:cs typeface="Arial" charset="0"/>
+            </a:endParaRPr>
+          </a:p>
+        </p:txBody>
+      </p:sp>
+      <p:pic>
+        <p:nvPicPr>
+          <p:cNvPr id="111" name="Picture 110"/>
           <p:cNvPicPr>
             <a:picLocks noChangeAspect="1"/>
           </p:cNvPicPr>
@@ -4539,8 +4461,8 @@
         </p:blipFill>
         <p:spPr>
           <a:xfrm>
-            <a:off x="4654539" y="4740552"/>
-            <a:ext cx="760274" cy="234652"/>
+            <a:off x="8739364" y="2162638"/>
+            <a:ext cx="760272" cy="234652"/>
           </a:xfrm>
           <a:prstGeom prst="rect">
             <a:avLst/>
@@ -4549,7 +4471,7 @@
       </p:pic>
       <p:pic>
         <p:nvPicPr>
-          <p:cNvPr id="111" name="Picture 110"/>
+          <p:cNvPr id="2" name="Picture 1"/>
           <p:cNvPicPr>
             <a:picLocks noChangeAspect="1"/>
           </p:cNvPicPr>
@@ -4563,124 +4485,32 @@
         </p:blipFill>
         <p:spPr>
           <a:xfrm>
-            <a:off x="8854090" y="4740552"/>
-            <a:ext cx="760272" cy="234652"/>
+            <a:off x="10348173" y="2571769"/>
+            <a:ext cx="774700" cy="317500"/>
           </a:xfrm>
           <a:prstGeom prst="rect">
             <a:avLst/>
           </a:prstGeom>
         </p:spPr>
       </p:pic>
-      <p:sp>
-        <p:nvSpPr>
-          <p:cNvPr id="112" name="TextBox 111"/>
-          <p:cNvSpPr txBox="1"/>
-          <p:nvPr/>
-        </p:nvSpPr>
-        <p:spPr>
-          <a:xfrm>
-            <a:off x="8253156" y="4451984"/>
-            <a:ext cx="1748991" cy="523220"/>
-          </a:xfrm>
-          <a:prstGeom prst="rect">
-            <a:avLst/>
-          </a:prstGeom>
-          <a:noFill/>
-        </p:spPr>
-        <p:txBody>
-          <a:bodyPr wrap="square" rtlCol="0">
-            <a:spAutoFit/>
-          </a:bodyPr>
-          <a:lstStyle/>
-          <a:p>
-            <a:pPr algn="ctr"/>
-            <a:r>
-              <a:rPr lang="en-US" sz="1400" dirty="0" smtClean="0">
-                <a:latin typeface="Arial" charset="0"/>
-                <a:ea typeface="Arial" charset="0"/>
-                <a:cs typeface="Arial" charset="0"/>
-              </a:rPr>
-              <a:t>Joint distribution</a:t>
-            </a:r>
-          </a:p>
-          <a:p>
-            <a:pPr algn="ctr"/>
-            <a:endParaRPr lang="en-US" sz="1400" dirty="0">
-              <a:latin typeface="Arial" charset="0"/>
-              <a:ea typeface="Arial" charset="0"/>
-              <a:cs typeface="Arial" charset="0"/>
-            </a:endParaRPr>
-          </a:p>
-        </p:txBody>
-      </p:sp>
-      <p:sp>
-        <p:nvSpPr>
-          <p:cNvPr id="113" name="TextBox 112"/>
-          <p:cNvSpPr txBox="1"/>
-          <p:nvPr/>
-        </p:nvSpPr>
-        <p:spPr>
-          <a:xfrm>
-            <a:off x="9895786" y="4348519"/>
-            <a:ext cx="1748991" cy="523220"/>
-          </a:xfrm>
-          <a:prstGeom prst="rect">
-            <a:avLst/>
-          </a:prstGeom>
-          <a:noFill/>
-        </p:spPr>
-        <p:txBody>
-          <a:bodyPr wrap="square" rtlCol="0">
-            <a:spAutoFit/>
-          </a:bodyPr>
-          <a:lstStyle/>
-          <a:p>
-            <a:pPr algn="ctr"/>
-            <a:r>
-              <a:rPr lang="en-US" sz="1400" dirty="0" smtClean="0">
-                <a:latin typeface="Arial" charset="0"/>
-                <a:ea typeface="Arial" charset="0"/>
-                <a:cs typeface="Arial" charset="0"/>
-              </a:rPr>
-              <a:t>Uncertainty in </a:t>
-            </a:r>
-          </a:p>
-          <a:p>
-            <a:pPr algn="ctr"/>
-            <a:r>
-              <a:rPr lang="en-US" sz="1400" dirty="0" smtClean="0">
-                <a:latin typeface="Arial" charset="0"/>
-                <a:ea typeface="Arial" charset="0"/>
-                <a:cs typeface="Arial" charset="0"/>
-              </a:rPr>
-              <a:t>AEP and </a:t>
-            </a:r>
-            <a:endParaRPr lang="en-US" sz="1400" dirty="0">
-              <a:latin typeface="Arial" charset="0"/>
-              <a:ea typeface="Arial" charset="0"/>
-              <a:cs typeface="Arial" charset="0"/>
-            </a:endParaRPr>
-          </a:p>
-        </p:txBody>
-      </p:sp>
       <p:pic>
         <p:nvPicPr>
-          <p:cNvPr id="114" name="Picture 113"/>
+          <p:cNvPr id="45" name="Picture 44"/>
           <p:cNvPicPr>
             <a:picLocks noChangeAspect="1"/>
           </p:cNvPicPr>
           <p:nvPr/>
         </p:nvPicPr>
         <p:blipFill>
-          <a:blip r:embed="rId11"/>
+          <a:blip r:embed="rId13"/>
           <a:stretch>
             <a:fillRect/>
           </a:stretch>
         </p:blipFill>
         <p:spPr>
           <a:xfrm>
-            <a:off x="10502457" y="4847821"/>
-            <a:ext cx="642010" cy="254766"/>
+            <a:off x="10872919" y="2098238"/>
+            <a:ext cx="478748" cy="196208"/>
           </a:xfrm>
           <a:prstGeom prst="rect">
             <a:avLst/>
